--- a/DBD 분석/맵 분석/3. 콜드윈드 농장(★)/3. 썩은 들판(★)/19_08_생존자(vs피그).pptx
+++ b/DBD 분석/맵 분석/3. 콜드윈드 농장(★)/3. 썩은 들판(★)/19_08_생존자(vs피그).pptx
@@ -126,7 +126,18 @@
   </p:defaultTextStyle>
   <p:extLst>
     <p:ext uri="{EFAFB233-063F-42B5-8137-9DF3F51BA10A}">
-      <p15:sldGuideLst xmlns:p15="http://schemas.microsoft.com/office/powerpoint/2012/main" xmlns=""/>
+      <p15:sldGuideLst xmlns:p15="http://schemas.microsoft.com/office/powerpoint/2012/main">
+        <p15:guide id="1" orient="horz" pos="2160">
+          <p15:clr>
+            <a:srgbClr val="A4A3A4"/>
+          </p15:clr>
+        </p15:guide>
+        <p15:guide id="2" pos="3840">
+          <p15:clr>
+            <a:srgbClr val="A4A3A4"/>
+          </p15:clr>
+        </p15:guide>
+      </p15:sldGuideLst>
     </p:ext>
   </p:extLst>
 </p:presentation>
@@ -214,7 +225,7 @@
           <a:p>
             <a:fld id="{92FB9B8E-7460-4A65-8DD1-5001397F6CD0}" type="datetimeFigureOut">
               <a:rPr lang="ko-KR" altLang="en-US" smtClean="0"/>
-              <a:t>2020-01-25</a:t>
+              <a:t>2020-02-05</a:t>
             </a:fld>
             <a:endParaRPr lang="ko-KR" altLang="en-US"/>
           </a:p>
@@ -537,7 +548,6 @@
               <a:rPr lang="en-US" altLang="ko-KR" dirty="0" smtClean="0"/>
               <a:t>https://youtu.be/X5YpctTgtQE?list=PLiFSqqhi2IVv4mLG3oFNqOsB3G-xZ0Pfw</a:t>
             </a:r>
-            <a:endParaRPr lang="en-US" altLang="ko-KR" dirty="0" smtClean="0"/>
           </a:p>
         </p:txBody>
       </p:sp>
@@ -627,13 +637,8 @@
             </a:r>
             <a:r>
               <a:rPr lang="en-US" altLang="ko-KR" dirty="0" smtClean="0"/>
-              <a:t>: </a:t>
-            </a:r>
-            <a:r>
-              <a:rPr lang="en-US" altLang="ko-KR" dirty="0" smtClean="0"/>
-              <a:t>6:45~7:10</a:t>
-            </a:r>
-            <a:endParaRPr lang="en-US" altLang="ko-KR" dirty="0" smtClean="0"/>
+              <a:t>: 6:45~7:10</a:t>
+            </a:r>
           </a:p>
           <a:p>
             <a:r>
@@ -642,11 +647,7 @@
             </a:r>
             <a:r>
               <a:rPr lang="en-US" altLang="ko-KR" dirty="0" smtClean="0"/>
-              <a:t>: </a:t>
-            </a:r>
-            <a:r>
-              <a:rPr lang="en-US" altLang="ko-KR" dirty="0" smtClean="0"/>
-              <a:t>F4-&gt;R2</a:t>
+              <a:t>: F4-&gt;R2</a:t>
             </a:r>
           </a:p>
           <a:p>
@@ -982,13 +983,8 @@
             </a:r>
             <a:r>
               <a:rPr lang="en-US" altLang="ko-KR" dirty="0" smtClean="0"/>
-              <a:t>: </a:t>
-            </a:r>
-            <a:r>
-              <a:rPr lang="en-US" altLang="ko-KR" dirty="0" smtClean="0"/>
-              <a:t>7:10~8:00</a:t>
-            </a:r>
-            <a:endParaRPr lang="en-US" altLang="ko-KR" dirty="0" smtClean="0"/>
+              <a:t>: 7:10~8:00</a:t>
+            </a:r>
           </a:p>
           <a:p>
             <a:r>
@@ -997,11 +993,7 @@
             </a:r>
             <a:r>
               <a:rPr lang="en-US" altLang="ko-KR" dirty="0" smtClean="0"/>
-              <a:t>: </a:t>
-            </a:r>
-            <a:r>
-              <a:rPr lang="en-US" altLang="ko-KR" dirty="0" smtClean="0"/>
-              <a:t>R2-&gt;E-&gt;W1</a:t>
+              <a:t>: R2-&gt;E-&gt;W1</a:t>
             </a:r>
           </a:p>
           <a:p>
@@ -1507,13 +1499,8 @@
             </a:r>
             <a:r>
               <a:rPr lang="en-US" altLang="ko-KR" dirty="0" smtClean="0"/>
-              <a:t>: </a:t>
-            </a:r>
-            <a:r>
-              <a:rPr lang="en-US" altLang="ko-KR" dirty="0" smtClean="0"/>
-              <a:t>8:00~8:20</a:t>
-            </a:r>
-            <a:endParaRPr lang="en-US" altLang="ko-KR" dirty="0" smtClean="0"/>
+              <a:t>: 8:00~8:20</a:t>
+            </a:r>
           </a:p>
           <a:p>
             <a:r>
@@ -1522,11 +1509,7 @@
             </a:r>
             <a:r>
               <a:rPr lang="en-US" altLang="ko-KR" dirty="0" smtClean="0"/>
-              <a:t>: </a:t>
-            </a:r>
-            <a:r>
-              <a:rPr lang="en-US" altLang="ko-KR" dirty="0" smtClean="0"/>
-              <a:t>W1-&gt;W4</a:t>
+              <a:t>: W1-&gt;W4</a:t>
             </a:r>
           </a:p>
           <a:p>
@@ -1894,13 +1877,8 @@
             </a:r>
             <a:r>
               <a:rPr lang="en-US" altLang="ko-KR" dirty="0" smtClean="0"/>
-              <a:t>: </a:t>
-            </a:r>
-            <a:r>
-              <a:rPr lang="en-US" altLang="ko-KR" dirty="0" smtClean="0"/>
-              <a:t>8:20~8:45</a:t>
-            </a:r>
-            <a:endParaRPr lang="en-US" altLang="ko-KR" dirty="0" smtClean="0"/>
+              <a:t>: 8:20~8:45</a:t>
+            </a:r>
           </a:p>
           <a:p>
             <a:r>
@@ -1909,11 +1887,7 @@
             </a:r>
             <a:r>
               <a:rPr lang="en-US" altLang="ko-KR" dirty="0" smtClean="0"/>
-              <a:t>: </a:t>
-            </a:r>
-            <a:r>
-              <a:rPr lang="en-US" altLang="ko-KR" dirty="0" smtClean="0"/>
-              <a:t>W4-&gt;F12</a:t>
+              <a:t>: W4-&gt;F12</a:t>
             </a:r>
           </a:p>
           <a:p>
@@ -2374,13 +2348,8 @@
             </a:r>
             <a:r>
               <a:rPr lang="en-US" altLang="ko-KR" dirty="0" smtClean="0"/>
-              <a:t>: </a:t>
-            </a:r>
-            <a:r>
-              <a:rPr lang="en-US" altLang="ko-KR" dirty="0" smtClean="0"/>
-              <a:t>8:45~9:05</a:t>
-            </a:r>
-            <a:endParaRPr lang="en-US" altLang="ko-KR" dirty="0" smtClean="0"/>
+              <a:t>: 8:45~9:05</a:t>
+            </a:r>
           </a:p>
           <a:p>
             <a:r>
@@ -2389,11 +2358,7 @@
             </a:r>
             <a:r>
               <a:rPr lang="en-US" altLang="ko-KR" dirty="0" smtClean="0"/>
-              <a:t>: </a:t>
-            </a:r>
-            <a:r>
-              <a:rPr lang="en-US" altLang="ko-KR" dirty="0" smtClean="0"/>
-              <a:t>F12-&gt;F7</a:t>
+              <a:t>: F12-&gt;F7</a:t>
             </a:r>
           </a:p>
           <a:p>
@@ -2802,13 +2767,8 @@
             </a:r>
             <a:r>
               <a:rPr lang="en-US" altLang="ko-KR" dirty="0" smtClean="0"/>
-              <a:t>: </a:t>
-            </a:r>
-            <a:r>
-              <a:rPr lang="en-US" altLang="ko-KR" dirty="0" smtClean="0"/>
-              <a:t>9:05~9:50</a:t>
-            </a:r>
-            <a:endParaRPr lang="en-US" altLang="ko-KR" dirty="0" smtClean="0"/>
+              <a:t>: 9:05~9:50</a:t>
+            </a:r>
           </a:p>
           <a:p>
             <a:r>
@@ -2817,11 +2777,7 @@
             </a:r>
             <a:r>
               <a:rPr lang="en-US" altLang="ko-KR" dirty="0" smtClean="0"/>
-              <a:t>: </a:t>
-            </a:r>
-            <a:r>
-              <a:rPr lang="en-US" altLang="ko-KR" dirty="0" smtClean="0"/>
-              <a:t>F7-&gt;F11-&gt;R6-&gt;W5</a:t>
+              <a:t>: F7-&gt;F11-&gt;R6-&gt;W5</a:t>
             </a:r>
           </a:p>
           <a:p>
@@ -2996,7 +2952,6 @@
               <a:rPr lang="en-US" altLang="ko-KR" baseline="0" dirty="0" smtClean="0"/>
               <a:t>: </a:t>
             </a:r>
-            <a:endParaRPr lang="en-US" altLang="ko-KR" baseline="0" dirty="0" smtClean="0"/>
           </a:p>
           <a:p>
             <a:r>
@@ -3318,13 +3273,8 @@
             </a:r>
             <a:r>
               <a:rPr lang="en-US" altLang="ko-KR" dirty="0" smtClean="0"/>
-              <a:t>: </a:t>
-            </a:r>
-            <a:r>
-              <a:rPr lang="en-US" altLang="ko-KR" dirty="0" smtClean="0"/>
-              <a:t>9:50~10:20</a:t>
-            </a:r>
-            <a:endParaRPr lang="en-US" altLang="ko-KR" dirty="0" smtClean="0"/>
+              <a:t>: 9:50~10:20</a:t>
+            </a:r>
           </a:p>
           <a:p>
             <a:r>
@@ -3337,7 +3287,11 @@
             </a:r>
             <a:r>
               <a:rPr lang="en-US" altLang="ko-KR" dirty="0" smtClean="0"/>
-              <a:t>F7-&gt;F11-&gt;R6-&gt;W5-&gt;F11</a:t>
+              <a:t>W5-</a:t>
+            </a:r>
+            <a:r>
+              <a:rPr lang="en-US" altLang="ko-KR" dirty="0" smtClean="0"/>
+              <a:t>&gt;F11</a:t>
             </a:r>
           </a:p>
           <a:p>
@@ -3511,7 +3465,6 @@
               <a:rPr lang="en-US" altLang="ko-KR" baseline="0" dirty="0" smtClean="0"/>
               <a:t>: </a:t>
             </a:r>
-            <a:endParaRPr lang="en-US" altLang="ko-KR" baseline="0" dirty="0" smtClean="0"/>
           </a:p>
           <a:p>
             <a:r>
@@ -3781,13 +3734,8 @@
             </a:r>
             <a:r>
               <a:rPr lang="en-US" altLang="ko-KR" dirty="0" smtClean="0"/>
-              <a:t>: </a:t>
-            </a:r>
-            <a:r>
-              <a:rPr lang="en-US" altLang="ko-KR" dirty="0" smtClean="0"/>
-              <a:t>10:20~10:40</a:t>
-            </a:r>
-            <a:endParaRPr lang="en-US" altLang="ko-KR" dirty="0" smtClean="0"/>
+              <a:t>: 10:20~10:40</a:t>
+            </a:r>
           </a:p>
           <a:p>
             <a:r>
@@ -3796,11 +3744,7 @@
             </a:r>
             <a:r>
               <a:rPr lang="en-US" altLang="ko-KR" dirty="0" smtClean="0"/>
-              <a:t>: </a:t>
-            </a:r>
-            <a:r>
-              <a:rPr lang="en-US" altLang="ko-KR" dirty="0" smtClean="0"/>
-              <a:t>F11</a:t>
+              <a:t>: F11</a:t>
             </a:r>
           </a:p>
           <a:p>
@@ -3904,7 +3848,6 @@
               <a:rPr lang="en-US" altLang="ko-KR" baseline="0" dirty="0" smtClean="0"/>
               <a:t>: </a:t>
             </a:r>
-            <a:endParaRPr lang="en-US" altLang="ko-KR" baseline="0" dirty="0" smtClean="0"/>
           </a:p>
           <a:p>
             <a:r>
@@ -4073,13 +4016,8 @@
             </a:r>
             <a:r>
               <a:rPr lang="en-US" altLang="ko-KR" dirty="0" smtClean="0"/>
-              <a:t>: </a:t>
-            </a:r>
-            <a:r>
-              <a:rPr lang="en-US" altLang="ko-KR" dirty="0" smtClean="0"/>
-              <a:t>10:40~10:55</a:t>
-            </a:r>
-            <a:endParaRPr lang="en-US" altLang="ko-KR" dirty="0" smtClean="0"/>
+              <a:t>: 10:40~10:55</a:t>
+            </a:r>
           </a:p>
           <a:p>
             <a:r>
@@ -4088,11 +4026,7 @@
             </a:r>
             <a:r>
               <a:rPr lang="en-US" altLang="ko-KR" dirty="0" smtClean="0"/>
-              <a:t>: </a:t>
-            </a:r>
-            <a:r>
-              <a:rPr lang="en-US" altLang="ko-KR" dirty="0" smtClean="0"/>
-              <a:t>F11-&gt;F10</a:t>
+              <a:t>: F11-&gt;F10</a:t>
             </a:r>
           </a:p>
           <a:p>
@@ -4136,7 +4070,6 @@
               <a:rPr lang="en-US" altLang="ko-KR" baseline="0" dirty="0" smtClean="0"/>
               <a:t>)</a:t>
             </a:r>
-            <a:endParaRPr lang="en-US" altLang="ko-KR" baseline="0" dirty="0" smtClean="0"/>
           </a:p>
           <a:p>
             <a:r>
@@ -4254,7 +4187,6 @@
               <a:rPr lang="en-US" altLang="ko-KR" baseline="0" dirty="0" smtClean="0"/>
               <a:t>: </a:t>
             </a:r>
-            <a:endParaRPr lang="en-US" altLang="ko-KR" baseline="0" dirty="0" smtClean="0"/>
           </a:p>
           <a:p>
             <a:r>
@@ -4536,13 +4468,8 @@
             </a:r>
             <a:r>
               <a:rPr lang="en-US" altLang="ko-KR" dirty="0" smtClean="0"/>
-              <a:t>: </a:t>
-            </a:r>
-            <a:r>
-              <a:rPr lang="en-US" altLang="ko-KR" dirty="0" smtClean="0"/>
-              <a:t>0:30~1:05</a:t>
-            </a:r>
-            <a:endParaRPr lang="en-US" altLang="ko-KR" dirty="0" smtClean="0"/>
+              <a:t>: 0:30~1:05</a:t>
+            </a:r>
           </a:p>
           <a:p>
             <a:r>
@@ -4551,11 +4478,7 @@
             </a:r>
             <a:r>
               <a:rPr lang="en-US" altLang="ko-KR" dirty="0" smtClean="0"/>
-              <a:t>: </a:t>
-            </a:r>
-            <a:r>
-              <a:rPr lang="en-US" altLang="ko-KR" dirty="0" smtClean="0"/>
-              <a:t>W7-&gt;F13-&gt;W6-&gt;W4</a:t>
+              <a:t>: W7-&gt;F13-&gt;W6-&gt;W4</a:t>
             </a:r>
           </a:p>
           <a:p>
@@ -4592,11 +4515,7 @@
             </a:r>
             <a:r>
               <a:rPr lang="en-US" altLang="ko-KR" baseline="0" dirty="0" smtClean="0"/>
-              <a:t>: </a:t>
-            </a:r>
-            <a:r>
-              <a:rPr lang="en-US" altLang="ko-KR" baseline="0" dirty="0" smtClean="0"/>
-              <a:t>,</a:t>
+              <a:t>: ,</a:t>
             </a:r>
             <a:r>
               <a:rPr lang="ko-KR" altLang="en-US" baseline="0" dirty="0" smtClean="0"/>
@@ -4694,7 +4613,6 @@
               <a:rPr lang="en-US" altLang="ko-KR" baseline="0" dirty="0" smtClean="0"/>
               <a:t>~</a:t>
             </a:r>
-            <a:endParaRPr lang="en-US" altLang="ko-KR" baseline="0" dirty="0" smtClean="0"/>
           </a:p>
           <a:p>
             <a:r>
@@ -4803,7 +4721,6 @@
               <a:rPr lang="en-US" altLang="ko-KR" baseline="0" dirty="0" smtClean="0"/>
               <a:t>?</a:t>
             </a:r>
-            <a:endParaRPr lang="en-US" altLang="ko-KR" baseline="0" dirty="0" smtClean="0"/>
           </a:p>
           <a:p>
             <a:r>
@@ -4973,13 +4890,8 @@
             </a:r>
             <a:r>
               <a:rPr lang="en-US" altLang="ko-KR" dirty="0" smtClean="0"/>
-              <a:t>: </a:t>
-            </a:r>
-            <a:r>
-              <a:rPr lang="en-US" altLang="ko-KR" dirty="0" smtClean="0"/>
-              <a:t>1:05~1:30</a:t>
-            </a:r>
-            <a:endParaRPr lang="en-US" altLang="ko-KR" dirty="0" smtClean="0"/>
+              <a:t>: 1:05~1:30</a:t>
+            </a:r>
           </a:p>
           <a:p>
             <a:r>
@@ -4988,11 +4900,7 @@
             </a:r>
             <a:r>
               <a:rPr lang="en-US" altLang="ko-KR" dirty="0" smtClean="0"/>
-              <a:t>: </a:t>
-            </a:r>
-            <a:r>
-              <a:rPr lang="en-US" altLang="ko-KR" dirty="0" smtClean="0"/>
-              <a:t>W4</a:t>
+              <a:t>: W4</a:t>
             </a:r>
           </a:p>
           <a:p>
@@ -5122,7 +5030,6 @@
               <a:rPr lang="en-US" altLang="ko-KR" baseline="0" dirty="0" smtClean="0"/>
               <a:t>~</a:t>
             </a:r>
-            <a:endParaRPr lang="en-US" altLang="ko-KR" baseline="0" dirty="0" smtClean="0"/>
           </a:p>
           <a:p>
             <a:r>
@@ -5362,13 +5269,8 @@
             </a:r>
             <a:r>
               <a:rPr lang="en-US" altLang="ko-KR" dirty="0" smtClean="0"/>
-              <a:t>: </a:t>
-            </a:r>
-            <a:r>
-              <a:rPr lang="en-US" altLang="ko-KR" dirty="0" smtClean="0"/>
-              <a:t>1:30~2:00</a:t>
-            </a:r>
-            <a:endParaRPr lang="en-US" altLang="ko-KR" dirty="0" smtClean="0"/>
+              <a:t>: 1:30~2:00</a:t>
+            </a:r>
           </a:p>
           <a:p>
             <a:r>
@@ -5377,11 +5279,7 @@
             </a:r>
             <a:r>
               <a:rPr lang="en-US" altLang="ko-KR" dirty="0" smtClean="0"/>
-              <a:t>: </a:t>
-            </a:r>
-            <a:r>
-              <a:rPr lang="en-US" altLang="ko-KR" dirty="0" smtClean="0"/>
-              <a:t>W4-&gt;F5-&gt;U3-&gt;W4</a:t>
+              <a:t>: W4-&gt;F5-&gt;U3-&gt;W4</a:t>
             </a:r>
           </a:p>
           <a:p>
@@ -5475,7 +5373,6 @@
               <a:rPr lang="en-US" altLang="ko-KR" baseline="0" dirty="0" smtClean="0"/>
               <a:t> </a:t>
             </a:r>
-            <a:endParaRPr lang="en-US" altLang="ko-KR" baseline="0" dirty="0" smtClean="0"/>
           </a:p>
           <a:p>
             <a:r>
@@ -5741,13 +5638,8 @@
             </a:r>
             <a:r>
               <a:rPr lang="en-US" altLang="ko-KR" dirty="0" smtClean="0"/>
-              <a:t>: </a:t>
-            </a:r>
-            <a:r>
-              <a:rPr lang="en-US" altLang="ko-KR" dirty="0" smtClean="0"/>
-              <a:t>2:00~3:05</a:t>
-            </a:r>
-            <a:endParaRPr lang="en-US" altLang="ko-KR" dirty="0" smtClean="0"/>
+              <a:t>: 2:00~3:05</a:t>
+            </a:r>
           </a:p>
           <a:p>
             <a:r>
@@ -5756,11 +5648,7 @@
             </a:r>
             <a:r>
               <a:rPr lang="en-US" altLang="ko-KR" dirty="0" smtClean="0"/>
-              <a:t>: </a:t>
-            </a:r>
-            <a:r>
-              <a:rPr lang="en-US" altLang="ko-KR" dirty="0" smtClean="0"/>
-              <a:t>W4</a:t>
+              <a:t>: W4</a:t>
             </a:r>
           </a:p>
           <a:p>
@@ -6232,7 +6120,6 @@
               <a:rPr lang="en-US" altLang="ko-KR" baseline="0" dirty="0" smtClean="0"/>
               <a:t>?</a:t>
             </a:r>
-            <a:endParaRPr lang="en-US" altLang="ko-KR" baseline="0" dirty="0" smtClean="0"/>
           </a:p>
           <a:p>
             <a:r>
@@ -6522,13 +6409,8 @@
             </a:r>
             <a:r>
               <a:rPr lang="en-US" altLang="ko-KR" dirty="0" smtClean="0"/>
-              <a:t>: </a:t>
-            </a:r>
-            <a:r>
-              <a:rPr lang="en-US" altLang="ko-KR" dirty="0" smtClean="0"/>
-              <a:t>3:05~3:23</a:t>
-            </a:r>
-            <a:endParaRPr lang="en-US" altLang="ko-KR" dirty="0" smtClean="0"/>
+              <a:t>: 3:05~3:23</a:t>
+            </a:r>
           </a:p>
           <a:p>
             <a:r>
@@ -6537,11 +6419,7 @@
             </a:r>
             <a:r>
               <a:rPr lang="en-US" altLang="ko-KR" dirty="0" smtClean="0"/>
-              <a:t>: </a:t>
-            </a:r>
-            <a:r>
-              <a:rPr lang="en-US" altLang="ko-KR" dirty="0" smtClean="0"/>
-              <a:t>W4-&gt;W2</a:t>
+              <a:t>: W4-&gt;W2</a:t>
             </a:r>
           </a:p>
           <a:p>
@@ -6895,13 +6773,8 @@
             </a:r>
             <a:r>
               <a:rPr lang="en-US" altLang="ko-KR" dirty="0" smtClean="0"/>
-              <a:t>: </a:t>
-            </a:r>
-            <a:r>
-              <a:rPr lang="en-US" altLang="ko-KR" dirty="0" smtClean="0"/>
-              <a:t>3:23~5:25</a:t>
-            </a:r>
-            <a:endParaRPr lang="en-US" altLang="ko-KR" dirty="0" smtClean="0"/>
+              <a:t>: 3:23~5:25</a:t>
+            </a:r>
           </a:p>
           <a:p>
             <a:r>
@@ -6914,7 +6787,11 @@
             </a:r>
             <a:r>
               <a:rPr lang="en-US" altLang="ko-KR" dirty="0" smtClean="0"/>
-              <a:t>W4-&gt;R1-&gt;W1-&gt;F2-&gt;U2-&gt;W7-&gt;W3</a:t>
+              <a:t>W2-</a:t>
+            </a:r>
+            <a:r>
+              <a:rPr lang="en-US" altLang="ko-KR" dirty="0" smtClean="0"/>
+              <a:t>&gt;R1-&gt;W1-&gt;F2-&gt;U2-&gt;W7-&gt;W3</a:t>
             </a:r>
           </a:p>
           <a:p>
@@ -7501,13 +7378,8 @@
             </a:r>
             <a:r>
               <a:rPr lang="en-US" altLang="ko-KR" dirty="0" smtClean="0"/>
-              <a:t>: </a:t>
-            </a:r>
-            <a:r>
-              <a:rPr lang="en-US" altLang="ko-KR" dirty="0" smtClean="0"/>
-              <a:t>5:25~5:45</a:t>
-            </a:r>
-            <a:endParaRPr lang="en-US" altLang="ko-KR" dirty="0" smtClean="0"/>
+              <a:t>: 5:25~5:45</a:t>
+            </a:r>
           </a:p>
           <a:p>
             <a:r>
@@ -7516,11 +7388,7 @@
             </a:r>
             <a:r>
               <a:rPr lang="en-US" altLang="ko-KR" dirty="0" smtClean="0"/>
-              <a:t>: </a:t>
-            </a:r>
-            <a:r>
-              <a:rPr lang="en-US" altLang="ko-KR" dirty="0" smtClean="0"/>
-              <a:t>W3</a:t>
+              <a:t>: W3</a:t>
             </a:r>
           </a:p>
           <a:p>
@@ -7846,13 +7714,8 @@
             </a:r>
             <a:r>
               <a:rPr lang="en-US" altLang="ko-KR" dirty="0" smtClean="0"/>
-              <a:t>: </a:t>
-            </a:r>
-            <a:r>
-              <a:rPr lang="en-US" altLang="ko-KR" dirty="0" smtClean="0"/>
-              <a:t>5:45~6:45</a:t>
-            </a:r>
-            <a:endParaRPr lang="en-US" altLang="ko-KR" dirty="0" smtClean="0"/>
+              <a:t>: 5:45~6:45</a:t>
+            </a:r>
           </a:p>
           <a:p>
             <a:r>
@@ -7861,11 +7724,7 @@
             </a:r>
             <a:r>
               <a:rPr lang="en-US" altLang="ko-KR" dirty="0" smtClean="0"/>
-              <a:t>: </a:t>
-            </a:r>
-            <a:r>
-              <a:rPr lang="en-US" altLang="ko-KR" dirty="0" smtClean="0"/>
-              <a:t>F4</a:t>
+              <a:t>: F4</a:t>
             </a:r>
           </a:p>
           <a:p>
@@ -8507,7 +8366,7 @@
           <a:p>
             <a:fld id="{F86301F8-5A19-4D53-B525-D052BC8201C6}" type="datetimeFigureOut">
               <a:rPr lang="ko-KR" altLang="en-US" smtClean="0"/>
-              <a:t>2020-01-25</a:t>
+              <a:t>2020-02-05</a:t>
             </a:fld>
             <a:endParaRPr lang="ko-KR" altLang="en-US"/>
           </a:p>
@@ -8677,7 +8536,7 @@
           <a:p>
             <a:fld id="{F86301F8-5A19-4D53-B525-D052BC8201C6}" type="datetimeFigureOut">
               <a:rPr lang="ko-KR" altLang="en-US" smtClean="0"/>
-              <a:t>2020-01-25</a:t>
+              <a:t>2020-02-05</a:t>
             </a:fld>
             <a:endParaRPr lang="ko-KR" altLang="en-US"/>
           </a:p>
@@ -8857,7 +8716,7 @@
           <a:p>
             <a:fld id="{F86301F8-5A19-4D53-B525-D052BC8201C6}" type="datetimeFigureOut">
               <a:rPr lang="ko-KR" altLang="en-US" smtClean="0"/>
-              <a:t>2020-01-25</a:t>
+              <a:t>2020-02-05</a:t>
             </a:fld>
             <a:endParaRPr lang="ko-KR" altLang="en-US"/>
           </a:p>
@@ -9027,7 +8886,7 @@
           <a:p>
             <a:fld id="{F86301F8-5A19-4D53-B525-D052BC8201C6}" type="datetimeFigureOut">
               <a:rPr lang="ko-KR" altLang="en-US" smtClean="0"/>
-              <a:t>2020-01-25</a:t>
+              <a:t>2020-02-05</a:t>
             </a:fld>
             <a:endParaRPr lang="ko-KR" altLang="en-US"/>
           </a:p>
@@ -9273,7 +9132,7 @@
           <a:p>
             <a:fld id="{F86301F8-5A19-4D53-B525-D052BC8201C6}" type="datetimeFigureOut">
               <a:rPr lang="ko-KR" altLang="en-US" smtClean="0"/>
-              <a:t>2020-01-25</a:t>
+              <a:t>2020-02-05</a:t>
             </a:fld>
             <a:endParaRPr lang="ko-KR" altLang="en-US"/>
           </a:p>
@@ -9505,7 +9364,7 @@
           <a:p>
             <a:fld id="{F86301F8-5A19-4D53-B525-D052BC8201C6}" type="datetimeFigureOut">
               <a:rPr lang="ko-KR" altLang="en-US" smtClean="0"/>
-              <a:t>2020-01-25</a:t>
+              <a:t>2020-02-05</a:t>
             </a:fld>
             <a:endParaRPr lang="ko-KR" altLang="en-US"/>
           </a:p>
@@ -9872,7 +9731,7 @@
           <a:p>
             <a:fld id="{F86301F8-5A19-4D53-B525-D052BC8201C6}" type="datetimeFigureOut">
               <a:rPr lang="ko-KR" altLang="en-US" smtClean="0"/>
-              <a:t>2020-01-25</a:t>
+              <a:t>2020-02-05</a:t>
             </a:fld>
             <a:endParaRPr lang="ko-KR" altLang="en-US"/>
           </a:p>
@@ -9990,7 +9849,7 @@
           <a:p>
             <a:fld id="{F86301F8-5A19-4D53-B525-D052BC8201C6}" type="datetimeFigureOut">
               <a:rPr lang="ko-KR" altLang="en-US" smtClean="0"/>
-              <a:t>2020-01-25</a:t>
+              <a:t>2020-02-05</a:t>
             </a:fld>
             <a:endParaRPr lang="ko-KR" altLang="en-US"/>
           </a:p>
@@ -10085,7 +9944,7 @@
           <a:p>
             <a:fld id="{F86301F8-5A19-4D53-B525-D052BC8201C6}" type="datetimeFigureOut">
               <a:rPr lang="ko-KR" altLang="en-US" smtClean="0"/>
-              <a:t>2020-01-25</a:t>
+              <a:t>2020-02-05</a:t>
             </a:fld>
             <a:endParaRPr lang="ko-KR" altLang="en-US"/>
           </a:p>
@@ -10362,7 +10221,7 @@
           <a:p>
             <a:fld id="{F86301F8-5A19-4D53-B525-D052BC8201C6}" type="datetimeFigureOut">
               <a:rPr lang="ko-KR" altLang="en-US" smtClean="0"/>
-              <a:t>2020-01-25</a:t>
+              <a:t>2020-02-05</a:t>
             </a:fld>
             <a:endParaRPr lang="ko-KR" altLang="en-US"/>
           </a:p>
@@ -10615,7 +10474,7 @@
           <a:p>
             <a:fld id="{F86301F8-5A19-4D53-B525-D052BC8201C6}" type="datetimeFigureOut">
               <a:rPr lang="ko-KR" altLang="en-US" smtClean="0"/>
-              <a:t>2020-01-25</a:t>
+              <a:t>2020-02-05</a:t>
             </a:fld>
             <a:endParaRPr lang="ko-KR" altLang="en-US"/>
           </a:p>
@@ -10828,7 +10687,7 @@
           <a:p>
             <a:fld id="{F86301F8-5A19-4D53-B525-D052BC8201C6}" type="datetimeFigureOut">
               <a:rPr lang="ko-KR" altLang="en-US" smtClean="0"/>
-              <a:t>2020-01-25</a:t>
+              <a:t>2020-02-05</a:t>
             </a:fld>
             <a:endParaRPr lang="ko-KR" altLang="en-US"/>
           </a:p>
@@ -28106,114 +27965,6 @@
       </p:sp>
       <p:cxnSp>
         <p:nvCxnSpPr>
-          <p:cNvPr id="40" name="직선 화살표 연결선 39"/>
-          <p:cNvCxnSpPr/>
-          <p:nvPr/>
-        </p:nvCxnSpPr>
-        <p:spPr>
-          <a:xfrm>
-            <a:off x="5750800" y="3624913"/>
-            <a:ext cx="2039293" cy="891103"/>
-          </a:xfrm>
-          <a:prstGeom prst="straightConnector1">
-            <a:avLst/>
-          </a:prstGeom>
-          <a:ln w="76200">
-            <a:solidFill>
-              <a:srgbClr val="FF0000"/>
-            </a:solidFill>
-            <a:tailEnd type="triangle"/>
-          </a:ln>
-        </p:spPr>
-        <p:style>
-          <a:lnRef idx="1">
-            <a:schemeClr val="accent1"/>
-          </a:lnRef>
-          <a:fillRef idx="0">
-            <a:schemeClr val="accent1"/>
-          </a:fillRef>
-          <a:effectRef idx="0">
-            <a:schemeClr val="accent1"/>
-          </a:effectRef>
-          <a:fontRef idx="minor">
-            <a:schemeClr val="tx1"/>
-          </a:fontRef>
-        </p:style>
-      </p:cxnSp>
-      <p:cxnSp>
-        <p:nvCxnSpPr>
-          <p:cNvPr id="41" name="직선 화살표 연결선 40"/>
-          <p:cNvCxnSpPr/>
-          <p:nvPr/>
-        </p:nvCxnSpPr>
-        <p:spPr>
-          <a:xfrm flipV="1">
-            <a:off x="7849531" y="4302630"/>
-            <a:ext cx="743802" cy="245888"/>
-          </a:xfrm>
-          <a:prstGeom prst="straightConnector1">
-            <a:avLst/>
-          </a:prstGeom>
-          <a:ln w="76200">
-            <a:solidFill>
-              <a:srgbClr val="FF0000"/>
-            </a:solidFill>
-            <a:tailEnd type="triangle"/>
-          </a:ln>
-        </p:spPr>
-        <p:style>
-          <a:lnRef idx="1">
-            <a:schemeClr val="accent1"/>
-          </a:lnRef>
-          <a:fillRef idx="0">
-            <a:schemeClr val="accent1"/>
-          </a:fillRef>
-          <a:effectRef idx="0">
-            <a:schemeClr val="accent1"/>
-          </a:effectRef>
-          <a:fontRef idx="minor">
-            <a:schemeClr val="tx1"/>
-          </a:fontRef>
-        </p:style>
-      </p:cxnSp>
-      <p:cxnSp>
-        <p:nvCxnSpPr>
-          <p:cNvPr id="42" name="직선 화살표 연결선 41"/>
-          <p:cNvCxnSpPr/>
-          <p:nvPr/>
-        </p:nvCxnSpPr>
-        <p:spPr>
-          <a:xfrm flipV="1">
-            <a:off x="8690093" y="3365786"/>
-            <a:ext cx="211311" cy="704678"/>
-          </a:xfrm>
-          <a:prstGeom prst="straightConnector1">
-            <a:avLst/>
-          </a:prstGeom>
-          <a:ln w="76200">
-            <a:solidFill>
-              <a:srgbClr val="FF0000"/>
-            </a:solidFill>
-            <a:tailEnd type="triangle"/>
-          </a:ln>
-        </p:spPr>
-        <p:style>
-          <a:lnRef idx="1">
-            <a:schemeClr val="accent1"/>
-          </a:lnRef>
-          <a:fillRef idx="0">
-            <a:schemeClr val="accent1"/>
-          </a:fillRef>
-          <a:effectRef idx="0">
-            <a:schemeClr val="accent1"/>
-          </a:effectRef>
-          <a:fontRef idx="minor">
-            <a:schemeClr val="tx1"/>
-          </a:fontRef>
-        </p:style>
-      </p:cxnSp>
-      <p:cxnSp>
-        <p:nvCxnSpPr>
           <p:cNvPr id="43" name="직선 화살표 연결선 42"/>
           <p:cNvCxnSpPr/>
           <p:nvPr/>
@@ -47493,7 +47244,7 @@
           </a:prstGeom>
           <a:ln w="76200">
             <a:solidFill>
-              <a:srgbClr val="FF0000"/>
+              <a:schemeClr val="tx1"/>
             </a:solidFill>
             <a:tailEnd type="triangle"/>
           </a:ln>
@@ -49861,7 +49612,7 @@
   <a:extraClrSchemeLst/>
   <a:extLst>
     <a:ext uri="{05A4C25C-085E-4340-85A3-A5531E510DB2}">
-      <thm15:themeFamily xmlns:thm15="http://schemas.microsoft.com/office/thememl/2012/main" xmlns="" name="Office Theme" id="{62F939B6-93AF-4DB8-9C6B-D6C7DFDC589F}" vid="{4A3C46E8-61CC-4603-A589-7422A47A8E4A}"/>
+      <thm15:themeFamily xmlns:thm15="http://schemas.microsoft.com/office/thememl/2012/main" name="Office Theme" id="{62F939B6-93AF-4DB8-9C6B-D6C7DFDC589F}" vid="{4A3C46E8-61CC-4603-A589-7422A47A8E4A}"/>
     </a:ext>
   </a:extLst>
 </a:theme>
@@ -50122,7 +49873,7 @@
   <a:extraClrSchemeLst/>
   <a:extLst>
     <a:ext uri="{05A4C25C-085E-4340-85A3-A5531E510DB2}">
-      <thm15:themeFamily xmlns:thm15="http://schemas.microsoft.com/office/thememl/2012/main" xmlns="" name="Office Theme" id="{62F939B6-93AF-4DB8-9C6B-D6C7DFDC589F}" vid="{4A3C46E8-61CC-4603-A589-7422A47A8E4A}"/>
+      <thm15:themeFamily xmlns:thm15="http://schemas.microsoft.com/office/thememl/2012/main" name="Office Theme" id="{62F939B6-93AF-4DB8-9C6B-D6C7DFDC589F}" vid="{4A3C46E8-61CC-4603-A589-7422A47A8E4A}"/>
     </a:ext>
   </a:extLst>
 </a:theme>
